--- a/fundamentals-of-algorithms/slides/Fundamentals_Algorithms.pptx
+++ b/fundamentals-of-algorithms/slides/Fundamentals_Algorithms.pptx
@@ -21503,7 +21503,7 @@
           <a:lstStyle/>
           <a:p>
             <a:r>
-              <a:rPr lang="en-US" dirty="0"/>
+              <a:rPr lang="en-US" strike="sngStrike" dirty="0"/>
               <a:t>Attendance Check1</a:t>
             </a:r>
           </a:p>
@@ -21534,7 +21534,7 @@
               <a:buNone/>
             </a:pPr>
             <a:r>
-              <a:rPr lang="en-US" dirty="0"/>
+              <a:rPr lang="en-US" strike="sngStrike" dirty="0"/>
               <a:t>Please submit the following form at the end of the class. This is today's attendance check.</a:t>
             </a:r>
           </a:p>
@@ -21542,19 +21542,19 @@
             <a:pPr marL="0" indent="0">
               <a:buNone/>
             </a:pPr>
-            <a:endParaRPr lang="en-US" dirty="0"/>
+            <a:endParaRPr lang="en-US" strike="sngStrike" dirty="0"/>
           </a:p>
           <a:p>
             <a:pPr marL="0" indent="0">
               <a:buNone/>
             </a:pPr>
             <a:r>
-              <a:rPr lang="en-US" dirty="0">
+              <a:rPr lang="en-US" strike="sngStrike" dirty="0">
                 <a:hlinkClick r:id="rId2"/>
               </a:rPr>
               <a:t>https://forms.gle/RQmYSnNMKkhu56Jt9</a:t>
             </a:r>
-            <a:endParaRPr lang="en-US" dirty="0"/>
+            <a:endParaRPr lang="en-US" strike="sngStrike" dirty="0"/>
           </a:p>
           <a:p>
             <a:pPr marL="0" indent="0">
@@ -28048,7 +28048,7 @@
           <a:lstStyle/>
           <a:p>
             <a:r>
-              <a:rPr lang="en-US" dirty="0"/>
+              <a:rPr lang="en-US" strike="sngStrike" dirty="0"/>
               <a:t>Attendance Check 2</a:t>
             </a:r>
           </a:p>
@@ -28081,7 +28081,7 @@
               <a:buNone/>
             </a:pPr>
             <a:r>
-              <a:rPr lang="en-US" dirty="0"/>
+              <a:rPr lang="en-US" strike="sngStrike" dirty="0"/>
               <a:t>Please submit the following form at the end of the class. This is today's attendance check.</a:t>
             </a:r>
           </a:p>
@@ -28090,25 +28090,25 @@
               <a:buNone/>
             </a:pPr>
             <a:r>
-              <a:rPr lang="en-US" dirty="0">
+              <a:rPr lang="en-US" strike="sngStrike" dirty="0">
                 <a:hlinkClick r:id="rId2"/>
               </a:rPr>
               <a:t>https://forms.gle/DfwqCF8n4JRD2Uxx7</a:t>
             </a:r>
-            <a:endParaRPr lang="en-US" dirty="0"/>
+            <a:endParaRPr lang="en-US" strike="sngStrike" dirty="0"/>
           </a:p>
           <a:p>
             <a:pPr marL="0" indent="0">
               <a:buNone/>
             </a:pPr>
-            <a:endParaRPr lang="en-US" dirty="0"/>
+            <a:endParaRPr lang="en-US" strike="sngStrike" dirty="0"/>
           </a:p>
           <a:p>
             <a:pPr marL="0" indent="0">
               <a:buNone/>
             </a:pPr>
             <a:r>
-              <a:rPr lang="en-US" dirty="0">
+              <a:rPr lang="en-US" strike="sngStrike" dirty="0">
                 <a:solidFill>
                   <a:schemeClr val="accent3"/>
                 </a:solidFill>
@@ -28116,14 +28116,14 @@
               <a:t>If you can’t access to the google form, </a:t>
             </a:r>
             <a:br>
-              <a:rPr lang="en-US" dirty="0">
+              <a:rPr lang="en-US" strike="sngStrike" dirty="0">
                 <a:solidFill>
                   <a:schemeClr val="accent3"/>
                 </a:solidFill>
               </a:rPr>
             </a:br>
             <a:r>
-              <a:rPr lang="en-US" dirty="0">
+              <a:rPr lang="en-US" strike="sngStrike" dirty="0">
                 <a:solidFill>
                   <a:schemeClr val="accent3"/>
                 </a:solidFill>
@@ -28131,14 +28131,14 @@
               <a:t>Please come to me. Otherwise, you will</a:t>
             </a:r>
             <a:br>
-              <a:rPr lang="en-US" dirty="0">
+              <a:rPr lang="en-US" strike="sngStrike" dirty="0">
                 <a:solidFill>
                   <a:schemeClr val="accent3"/>
                 </a:solidFill>
               </a:rPr>
             </a:br>
             <a:r>
-              <a:rPr lang="en-US" dirty="0">
+              <a:rPr lang="en-US" strike="sngStrike" dirty="0">
                 <a:solidFill>
                   <a:schemeClr val="accent3"/>
                 </a:solidFill>
@@ -33791,7 +33791,7 @@
           <a:lstStyle/>
           <a:p>
             <a:r>
-              <a:rPr lang="en-US" dirty="0"/>
+              <a:rPr lang="en-US" strike="sngStrike" dirty="0"/>
               <a:t>Attendance Check3</a:t>
             </a:r>
           </a:p>
@@ -33822,7 +33822,7 @@
               <a:buNone/>
             </a:pPr>
             <a:r>
-              <a:rPr lang="en-US" dirty="0"/>
+              <a:rPr lang="en-US" strike="sngStrike" dirty="0"/>
               <a:t>Please submit the following form at the end of the class. This is today's attendance check.</a:t>
             </a:r>
           </a:p>
@@ -33830,19 +33830,19 @@
             <a:pPr marL="0" indent="0">
               <a:buNone/>
             </a:pPr>
-            <a:endParaRPr lang="en-US" dirty="0"/>
+            <a:endParaRPr lang="en-US" strike="sngStrike" dirty="0"/>
           </a:p>
           <a:p>
             <a:pPr marL="0" indent="0">
               <a:buNone/>
             </a:pPr>
             <a:r>
-              <a:rPr lang="en-US" dirty="0">
+              <a:rPr lang="en-US" strike="sngStrike" dirty="0">
                 <a:hlinkClick r:id="rId2"/>
               </a:rPr>
               <a:t>https://forms.gle/cvSzk2GN57JsgKNg6</a:t>
             </a:r>
-            <a:endParaRPr lang="en-US" dirty="0"/>
+            <a:endParaRPr lang="en-US" strike="sngStrike" dirty="0"/>
           </a:p>
           <a:p>
             <a:pPr marL="0" indent="0">
@@ -37583,7 +37583,7 @@
           <a:lstStyle/>
           <a:p>
             <a:r>
-              <a:rPr lang="en-US" dirty="0"/>
+              <a:rPr lang="en-US" strike="sngStrike" dirty="0"/>
               <a:t>Attendance Check4</a:t>
             </a:r>
           </a:p>
@@ -37614,7 +37614,7 @@
               <a:buNone/>
             </a:pPr>
             <a:r>
-              <a:rPr lang="en-US" dirty="0"/>
+              <a:rPr lang="en-US" strike="sngStrike" dirty="0"/>
               <a:t>Please submit the following form at the end of the class. This is today's attendance check.</a:t>
             </a:r>
           </a:p>
@@ -37622,19 +37622,19 @@
             <a:pPr marL="0" indent="0">
               <a:buNone/>
             </a:pPr>
-            <a:endParaRPr lang="en-US" dirty="0"/>
+            <a:endParaRPr lang="en-US" strike="sngStrike" dirty="0"/>
           </a:p>
           <a:p>
             <a:pPr marL="0" indent="0">
               <a:buNone/>
             </a:pPr>
             <a:r>
-              <a:rPr lang="en-US" dirty="0">
+              <a:rPr lang="en-US" strike="sngStrike" dirty="0">
                 <a:hlinkClick r:id="rId2"/>
               </a:rPr>
               <a:t>https://forms.gle/FSdKfv3fW2ocH3bd7</a:t>
             </a:r>
-            <a:endParaRPr lang="en-US" dirty="0"/>
+            <a:endParaRPr lang="en-US" strike="sngStrike" dirty="0"/>
           </a:p>
           <a:p>
             <a:pPr marL="0" indent="0">
@@ -44873,7 +44873,7 @@
           <a:lstStyle/>
           <a:p>
             <a:r>
-              <a:rPr lang="en-US" dirty="0"/>
+              <a:rPr lang="en-US" strike="sngStrike" dirty="0"/>
               <a:t>Attendance Check5</a:t>
             </a:r>
           </a:p>
@@ -44904,7 +44904,7 @@
               <a:buNone/>
             </a:pPr>
             <a:r>
-              <a:rPr lang="en-US" dirty="0"/>
+              <a:rPr lang="en-US" strike="sngStrike" dirty="0"/>
               <a:t>Please submit the following form at the end of the class. This is today's attendance check.</a:t>
             </a:r>
           </a:p>
@@ -44912,19 +44912,19 @@
             <a:pPr marL="0" indent="0">
               <a:buNone/>
             </a:pPr>
-            <a:endParaRPr lang="en-US" dirty="0"/>
+            <a:endParaRPr lang="en-US" strike="sngStrike" dirty="0"/>
           </a:p>
           <a:p>
             <a:pPr marL="0" indent="0">
               <a:buNone/>
             </a:pPr>
             <a:r>
-              <a:rPr lang="en-US" dirty="0">
+              <a:rPr lang="en-US" strike="sngStrike" dirty="0">
                 <a:hlinkClick r:id="rId2"/>
               </a:rPr>
               <a:t>https://forms.gle/HTMXHfz61StvmTh29</a:t>
             </a:r>
-            <a:endParaRPr lang="en-US" dirty="0"/>
+            <a:endParaRPr lang="en-US" strike="sngStrike" dirty="0"/>
           </a:p>
           <a:p>
             <a:pPr marL="0" indent="0">
@@ -52459,7 +52459,7 @@
           <a:lstStyle/>
           <a:p>
             <a:r>
-              <a:rPr lang="en-US" dirty="0"/>
+              <a:rPr lang="en-US" strike="sngStrike" dirty="0"/>
               <a:t>Attendance Check 6</a:t>
             </a:r>
           </a:p>
@@ -52490,7 +52490,7 @@
               <a:buNone/>
             </a:pPr>
             <a:r>
-              <a:rPr lang="en-US" dirty="0"/>
+              <a:rPr lang="en-US" strike="sngStrike" dirty="0"/>
               <a:t>Please submit the following form at the end of the class. This is today's attendance check.</a:t>
             </a:r>
           </a:p>
@@ -52498,19 +52498,19 @@
             <a:pPr marL="0" indent="0">
               <a:buNone/>
             </a:pPr>
-            <a:endParaRPr lang="en-US" dirty="0"/>
+            <a:endParaRPr lang="en-US" strike="sngStrike" dirty="0"/>
           </a:p>
           <a:p>
             <a:pPr marL="0" indent="0">
               <a:buNone/>
             </a:pPr>
             <a:r>
-              <a:rPr lang="en-US" dirty="0">
+              <a:rPr lang="en-US" strike="sngStrike" dirty="0">
                 <a:hlinkClick r:id="rId2"/>
               </a:rPr>
               <a:t>https://forms.gle/wE82JQyNFJayVGFFA</a:t>
             </a:r>
-            <a:endParaRPr lang="en-US" dirty="0"/>
+            <a:endParaRPr lang="en-US" strike="sngStrike" dirty="0"/>
           </a:p>
           <a:p>
             <a:pPr marL="0" indent="0">
